--- a/supplementary/figures/comp_meshes4.pptx
+++ b/supplementary/figures/comp_meshes4.pptx
@@ -10,7 +10,7 @@
   <p:sldIdLst>
     <p:sldId id="257" r:id="rId2"/>
   </p:sldIdLst>
-  <p:sldSz cx="18291175" cy="9001125"/>
+  <p:sldSz cx="18291175" cy="11880850"/>
   <p:notesSz cx="6858000" cy="9144000"/>
   <p:defaultTextStyle>
     <a:defPPr>
@@ -192,7 +192,7 @@
           <a:p>
             <a:fld id="{60DCF128-8B16-4FDF-88C3-B7A27197C50B}" type="datetimeFigureOut">
               <a:rPr kumimoji="1" lang="ja-JP" altLang="en-US" smtClean="0"/>
-              <a:t>2015/4/30</a:t>
+              <a:t>2015/9/25</a:t>
             </a:fld>
             <a:endParaRPr kumimoji="1" lang="ja-JP" altLang="en-US"/>
           </a:p>
@@ -210,8 +210,8 @@
         </p:nvSpPr>
         <p:spPr>
           <a:xfrm>
-            <a:off x="-53975" y="685800"/>
-            <a:ext cx="6965950" cy="3429000"/>
+            <a:off x="790575" y="685800"/>
+            <a:ext cx="5276850" cy="3429000"/>
           </a:xfrm>
           <a:prstGeom prst="rect">
             <a:avLst/>
@@ -489,8 +489,8 @@
         </p:nvSpPr>
         <p:spPr>
           <a:xfrm>
-            <a:off x="-53975" y="685800"/>
-            <a:ext cx="6965950" cy="3429000"/>
+            <a:off x="790575" y="685800"/>
+            <a:ext cx="5276850" cy="3429000"/>
           </a:xfrm>
         </p:spPr>
       </p:sp>
@@ -578,8 +578,8 @@
         </p:nvSpPr>
         <p:spPr>
           <a:xfrm>
-            <a:off x="1371842" y="2796185"/>
-            <a:ext cx="15547499" cy="1929408"/>
+            <a:off x="1371846" y="3690768"/>
+            <a:ext cx="15547499" cy="2546682"/>
           </a:xfrm>
         </p:spPr>
         <p:txBody>
@@ -606,8 +606,8 @@
         </p:nvSpPr>
         <p:spPr>
           <a:xfrm>
-            <a:off x="2743680" y="5100638"/>
-            <a:ext cx="12803823" cy="2300288"/>
+            <a:off x="2743684" y="6732484"/>
+            <a:ext cx="12803823" cy="3036218"/>
           </a:xfrm>
         </p:spPr>
         <p:txBody>
@@ -731,7 +731,7 @@
             <a:fld id="{1D8BD707-D9CF-40AE-B4C6-C98DA3205C09}" type="datetimeFigureOut">
               <a:rPr lang="en-US" smtClean="0"/>
               <a:pPr/>
-              <a:t>4/30/2015</a:t>
+              <a:t>9/25/2015</a:t>
             </a:fld>
             <a:endParaRPr lang="en-US"/>
           </a:p>
@@ -898,7 +898,7 @@
             <a:fld id="{1D8BD707-D9CF-40AE-B4C6-C98DA3205C09}" type="datetimeFigureOut">
               <a:rPr lang="en-US" smtClean="0"/>
               <a:pPr/>
-              <a:t>4/30/2015</a:t>
+              <a:t>9/25/2015</a:t>
             </a:fld>
             <a:endParaRPr lang="en-US"/>
           </a:p>
@@ -984,8 +984,8 @@
         </p:nvSpPr>
         <p:spPr>
           <a:xfrm>
-            <a:off x="13261102" y="360466"/>
-            <a:ext cx="4115514" cy="7680127"/>
+            <a:off x="13261102" y="475791"/>
+            <a:ext cx="4115514" cy="10137226"/>
           </a:xfrm>
         </p:spPr>
         <p:txBody>
@@ -1012,8 +1012,8 @@
         </p:nvSpPr>
         <p:spPr>
           <a:xfrm>
-            <a:off x="914559" y="360466"/>
-            <a:ext cx="12041690" cy="7680127"/>
+            <a:off x="914559" y="475791"/>
+            <a:ext cx="12041690" cy="10137226"/>
           </a:xfrm>
         </p:spPr>
         <p:txBody>
@@ -1075,7 +1075,7 @@
             <a:fld id="{1D8BD707-D9CF-40AE-B4C6-C98DA3205C09}" type="datetimeFigureOut">
               <a:rPr lang="en-US" smtClean="0"/>
               <a:pPr/>
-              <a:t>4/30/2015</a:t>
+              <a:t>9/25/2015</a:t>
             </a:fld>
             <a:endParaRPr lang="en-US"/>
           </a:p>
@@ -1242,7 +1242,7 @@
             <a:fld id="{1D8BD707-D9CF-40AE-B4C6-C98DA3205C09}" type="datetimeFigureOut">
               <a:rPr lang="en-US" smtClean="0"/>
               <a:pPr/>
-              <a:t>4/30/2015</a:t>
+              <a:t>9/25/2015</a:t>
             </a:fld>
             <a:endParaRPr lang="en-US"/>
           </a:p>
@@ -1328,8 +1328,8 @@
         </p:nvSpPr>
         <p:spPr>
           <a:xfrm>
-            <a:off x="1444881" y="5784060"/>
-            <a:ext cx="15547499" cy="1787724"/>
+            <a:off x="1444885" y="7634551"/>
+            <a:ext cx="15547499" cy="2359670"/>
           </a:xfrm>
         </p:spPr>
         <p:txBody>
@@ -1360,8 +1360,8 @@
         </p:nvSpPr>
         <p:spPr>
           <a:xfrm>
-            <a:off x="1444881" y="3815063"/>
-            <a:ext cx="15547499" cy="1968995"/>
+            <a:off x="1444885" y="5035616"/>
+            <a:ext cx="15547499" cy="2598934"/>
           </a:xfrm>
         </p:spPr>
         <p:txBody>
@@ -1485,7 +1485,7 @@
             <a:fld id="{1D8BD707-D9CF-40AE-B4C6-C98DA3205C09}" type="datetimeFigureOut">
               <a:rPr lang="en-US" smtClean="0"/>
               <a:pPr/>
-              <a:t>4/30/2015</a:t>
+              <a:t>9/25/2015</a:t>
             </a:fld>
             <a:endParaRPr lang="en-US"/>
           </a:p>
@@ -1594,8 +1594,8 @@
         </p:nvSpPr>
         <p:spPr>
           <a:xfrm>
-            <a:off x="914559" y="2100266"/>
-            <a:ext cx="8078602" cy="5940327"/>
+            <a:off x="914559" y="2772204"/>
+            <a:ext cx="8078602" cy="7840813"/>
           </a:xfrm>
         </p:spPr>
         <p:txBody>
@@ -1679,8 +1679,8 @@
         </p:nvSpPr>
         <p:spPr>
           <a:xfrm>
-            <a:off x="9298014" y="2100266"/>
-            <a:ext cx="8078602" cy="5940327"/>
+            <a:off x="9298014" y="2772204"/>
+            <a:ext cx="8078602" cy="7840813"/>
           </a:xfrm>
         </p:spPr>
         <p:txBody>
@@ -1770,7 +1770,7 @@
             <a:fld id="{1D8BD707-D9CF-40AE-B4C6-C98DA3205C09}" type="datetimeFigureOut">
               <a:rPr lang="en-US" smtClean="0"/>
               <a:pPr/>
-              <a:t>4/30/2015</a:t>
+              <a:t>9/25/2015</a:t>
             </a:fld>
             <a:endParaRPr lang="en-US"/>
           </a:p>
@@ -1883,8 +1883,8 @@
         </p:nvSpPr>
         <p:spPr>
           <a:xfrm>
-            <a:off x="914563" y="2014837"/>
-            <a:ext cx="8081779" cy="839688"/>
+            <a:off x="914567" y="2659443"/>
+            <a:ext cx="8081779" cy="1108329"/>
           </a:xfrm>
         </p:spPr>
         <p:txBody>
@@ -1948,8 +1948,8 @@
         </p:nvSpPr>
         <p:spPr>
           <a:xfrm>
-            <a:off x="914563" y="2854523"/>
-            <a:ext cx="8081779" cy="5186065"/>
+            <a:off x="914567" y="3767771"/>
+            <a:ext cx="8081779" cy="6845240"/>
           </a:xfrm>
         </p:spPr>
         <p:txBody>
@@ -2033,8 +2033,8 @@
         </p:nvSpPr>
         <p:spPr>
           <a:xfrm>
-            <a:off x="9291668" y="2014837"/>
-            <a:ext cx="8084953" cy="839688"/>
+            <a:off x="9291672" y="2659443"/>
+            <a:ext cx="8084953" cy="1108329"/>
           </a:xfrm>
         </p:spPr>
         <p:txBody>
@@ -2098,8 +2098,8 @@
         </p:nvSpPr>
         <p:spPr>
           <a:xfrm>
-            <a:off x="9291668" y="2854523"/>
-            <a:ext cx="8084953" cy="5186065"/>
+            <a:off x="9291672" y="3767771"/>
+            <a:ext cx="8084953" cy="6845240"/>
           </a:xfrm>
         </p:spPr>
         <p:txBody>
@@ -2189,7 +2189,7 @@
             <a:fld id="{1D8BD707-D9CF-40AE-B4C6-C98DA3205C09}" type="datetimeFigureOut">
               <a:rPr lang="en-US" smtClean="0"/>
               <a:pPr/>
-              <a:t>4/30/2015</a:t>
+              <a:t>9/25/2015</a:t>
             </a:fld>
             <a:endParaRPr lang="en-US"/>
           </a:p>
@@ -2304,7 +2304,7 @@
             <a:fld id="{1D8BD707-D9CF-40AE-B4C6-C98DA3205C09}" type="datetimeFigureOut">
               <a:rPr lang="en-US" smtClean="0"/>
               <a:pPr/>
-              <a:t>4/30/2015</a:t>
+              <a:t>9/25/2015</a:t>
             </a:fld>
             <a:endParaRPr lang="en-US"/>
           </a:p>
@@ -2396,7 +2396,7 @@
             <a:fld id="{1D8BD707-D9CF-40AE-B4C6-C98DA3205C09}" type="datetimeFigureOut">
               <a:rPr lang="en-US" smtClean="0"/>
               <a:pPr/>
-              <a:t>4/30/2015</a:t>
+              <a:t>9/25/2015</a:t>
             </a:fld>
             <a:endParaRPr lang="en-US"/>
           </a:p>
@@ -2482,8 +2482,8 @@
         </p:nvSpPr>
         <p:spPr>
           <a:xfrm>
-            <a:off x="914564" y="358378"/>
-            <a:ext cx="6017671" cy="1525192"/>
+            <a:off x="914568" y="473034"/>
+            <a:ext cx="6017671" cy="2013146"/>
           </a:xfrm>
         </p:spPr>
         <p:txBody>
@@ -2514,8 +2514,8 @@
         </p:nvSpPr>
         <p:spPr>
           <a:xfrm>
-            <a:off x="7151345" y="358381"/>
-            <a:ext cx="10225275" cy="7682212"/>
+            <a:off x="7151349" y="473040"/>
+            <a:ext cx="10225275" cy="10139978"/>
           </a:xfrm>
         </p:spPr>
         <p:txBody>
@@ -2599,8 +2599,8 @@
         </p:nvSpPr>
         <p:spPr>
           <a:xfrm>
-            <a:off x="914564" y="1883572"/>
-            <a:ext cx="6017671" cy="6157020"/>
+            <a:off x="914568" y="2486182"/>
+            <a:ext cx="6017671" cy="8126832"/>
           </a:xfrm>
         </p:spPr>
         <p:txBody>
@@ -2670,7 +2670,7 @@
             <a:fld id="{1D8BD707-D9CF-40AE-B4C6-C98DA3205C09}" type="datetimeFigureOut">
               <a:rPr lang="en-US" smtClean="0"/>
               <a:pPr/>
-              <a:t>4/30/2015</a:t>
+              <a:t>9/25/2015</a:t>
             </a:fld>
             <a:endParaRPr lang="en-US"/>
           </a:p>
@@ -2756,8 +2756,8 @@
         </p:nvSpPr>
         <p:spPr>
           <a:xfrm>
-            <a:off x="3585202" y="6300789"/>
-            <a:ext cx="10974705" cy="743844"/>
+            <a:off x="3585206" y="8316596"/>
+            <a:ext cx="10974705" cy="981822"/>
           </a:xfrm>
         </p:spPr>
         <p:txBody>
@@ -2788,8 +2788,8 @@
         </p:nvSpPr>
         <p:spPr>
           <a:xfrm>
-            <a:off x="3585202" y="804268"/>
-            <a:ext cx="10974705" cy="5400675"/>
+            <a:off x="3585206" y="1061579"/>
+            <a:ext cx="10974705" cy="7128510"/>
           </a:xfrm>
         </p:spPr>
         <p:txBody>
@@ -2849,8 +2849,8 @@
         </p:nvSpPr>
         <p:spPr>
           <a:xfrm>
-            <a:off x="3585202" y="7044632"/>
-            <a:ext cx="10974705" cy="1056382"/>
+            <a:off x="3585206" y="9298418"/>
+            <a:ext cx="10974705" cy="1394350"/>
           </a:xfrm>
         </p:spPr>
         <p:txBody>
@@ -2920,7 +2920,7 @@
             <a:fld id="{1D8BD707-D9CF-40AE-B4C6-C98DA3205C09}" type="datetimeFigureOut">
               <a:rPr lang="en-US" smtClean="0"/>
               <a:pPr/>
-              <a:t>4/30/2015</a:t>
+              <a:t>9/25/2015</a:t>
             </a:fld>
             <a:endParaRPr lang="en-US"/>
           </a:p>
@@ -3011,8 +3011,8 @@
         </p:nvSpPr>
         <p:spPr>
           <a:xfrm>
-            <a:off x="914559" y="360463"/>
-            <a:ext cx="16462058" cy="1500188"/>
+            <a:off x="914559" y="475788"/>
+            <a:ext cx="16462058" cy="1980142"/>
           </a:xfrm>
           <a:prstGeom prst="rect">
             <a:avLst/>
@@ -3044,8 +3044,8 @@
         </p:nvSpPr>
         <p:spPr>
           <a:xfrm>
-            <a:off x="914559" y="2100266"/>
-            <a:ext cx="16462058" cy="5940327"/>
+            <a:off x="914559" y="2772204"/>
+            <a:ext cx="16462058" cy="7840813"/>
           </a:xfrm>
           <a:prstGeom prst="rect">
             <a:avLst/>
@@ -3106,8 +3106,8 @@
         </p:nvSpPr>
         <p:spPr>
           <a:xfrm>
-            <a:off x="914559" y="8342712"/>
-            <a:ext cx="4267941" cy="479227"/>
+            <a:off x="914559" y="11011793"/>
+            <a:ext cx="4267941" cy="632546"/>
           </a:xfrm>
           <a:prstGeom prst="rect">
             <a:avLst/>
@@ -3130,7 +3130,7 @@
             <a:fld id="{1D8BD707-D9CF-40AE-B4C6-C98DA3205C09}" type="datetimeFigureOut">
               <a:rPr lang="en-US" smtClean="0"/>
               <a:pPr/>
-              <a:t>4/30/2015</a:t>
+              <a:t>9/25/2015</a:t>
             </a:fld>
             <a:endParaRPr lang="en-US"/>
           </a:p>
@@ -3148,8 +3148,8 @@
         </p:nvSpPr>
         <p:spPr>
           <a:xfrm>
-            <a:off x="6249489" y="8342712"/>
-            <a:ext cx="5792205" cy="479227"/>
+            <a:off x="6249493" y="11011793"/>
+            <a:ext cx="5792205" cy="632546"/>
           </a:xfrm>
           <a:prstGeom prst="rect">
             <a:avLst/>
@@ -3185,8 +3185,8 @@
         </p:nvSpPr>
         <p:spPr>
           <a:xfrm>
-            <a:off x="13108679" y="8342712"/>
-            <a:ext cx="4267941" cy="479227"/>
+            <a:off x="13108683" y="11011793"/>
+            <a:ext cx="4267941" cy="632546"/>
           </a:xfrm>
           <a:prstGeom prst="rect">
             <a:avLst/>
@@ -3503,21 +3503,21 @@
       </p:grpSpPr>
       <p:grpSp>
         <p:nvGrpSpPr>
-          <p:cNvPr id="3" name="Group 2"/>
+          <p:cNvPr id="47" name="Group 46"/>
           <p:cNvGrpSpPr/>
           <p:nvPr/>
         </p:nvGrpSpPr>
         <p:grpSpPr>
-          <a:xfrm>
-            <a:off x="-608013" y="3890962"/>
-            <a:ext cx="6787647" cy="4739061"/>
+          <a:xfrm rot="20992013">
+            <a:off x="-1134747" y="5723951"/>
+            <a:ext cx="7230001" cy="5047908"/>
             <a:chOff x="-549" y="4118175"/>
             <a:chExt cx="5976000" cy="4172378"/>
           </a:xfrm>
         </p:grpSpPr>
         <p:sp>
           <p:nvSpPr>
-            <p:cNvPr id="56" name="Freeform 55"/>
+            <p:cNvPr id="48" name="Freeform 47"/>
             <p:cNvSpPr/>
             <p:nvPr/>
           </p:nvSpPr>
@@ -3757,7 +3757,7 @@
         </p:sp>
         <p:pic>
           <p:nvPicPr>
-            <p:cNvPr id="57" name="Picture 16" descr="C:\Users\satos_000\Desktop\Petty\ScreenShot\2015y04m26d_215342137.png"/>
+            <p:cNvPr id="49" name="Picture 16" descr="C:\Users\satos_000\Desktop\Petty\ScreenShot\2015y04m26d_215342137.png"/>
             <p:cNvPicPr>
               <a:picLocks noChangeAspect="1" noChangeArrowheads="1"/>
             </p:cNvPicPr>
@@ -3809,13 +3809,13 @@
       </p:grpSp>
       <p:sp>
         <p:nvSpPr>
-          <p:cNvPr id="59" name="TextBox 58"/>
+          <p:cNvPr id="50" name="TextBox 49"/>
           <p:cNvSpPr txBox="1"/>
           <p:nvPr/>
         </p:nvSpPr>
         <p:spPr>
           <a:xfrm>
-            <a:off x="2446828" y="8446371"/>
+            <a:off x="2362448" y="11346160"/>
             <a:ext cx="1388023" cy="461665"/>
           </a:xfrm>
           <a:prstGeom prst="rect">
@@ -3845,13 +3845,13 @@
       </p:sp>
       <p:sp>
         <p:nvSpPr>
-          <p:cNvPr id="60" name="TextBox 59"/>
+          <p:cNvPr id="51" name="TextBox 50"/>
           <p:cNvSpPr txBox="1"/>
           <p:nvPr/>
         </p:nvSpPr>
         <p:spPr>
           <a:xfrm>
-            <a:off x="7726196" y="8446371"/>
+            <a:off x="7641816" y="11346160"/>
             <a:ext cx="3500055" cy="461665"/>
           </a:xfrm>
           <a:prstGeom prst="rect">
@@ -3895,13 +3895,13 @@
       </p:sp>
       <p:sp>
         <p:nvSpPr>
-          <p:cNvPr id="61" name="TextBox 60"/>
+          <p:cNvPr id="52" name="TextBox 51"/>
           <p:cNvSpPr txBox="1"/>
           <p:nvPr/>
         </p:nvSpPr>
         <p:spPr>
           <a:xfrm>
-            <a:off x="13898396" y="8446371"/>
+            <a:off x="13814016" y="11346160"/>
             <a:ext cx="3500055" cy="461665"/>
           </a:xfrm>
           <a:prstGeom prst="rect">
@@ -3945,7 +3945,7 @@
       </p:sp>
       <p:pic>
         <p:nvPicPr>
-          <p:cNvPr id="62" name="Picture 2" descr="C:\Users\satos_000\Desktop\Petty\ScreenShot\2015y04m26d_215404334.png"/>
+          <p:cNvPr id="53" name="Picture 2" descr="C:\Users\satos_000\Desktop\Petty\ScreenShot\2015y04m26d_215404334.png"/>
           <p:cNvPicPr>
             <a:picLocks noChangeAspect="1" noChangeArrowheads="1"/>
           </p:cNvPicPr>
@@ -3975,9 +3975,9 @@
           </a:stretch>
         </p:blipFill>
         <p:spPr bwMode="auto">
-          <a:xfrm>
-            <a:off x="5574533" y="3890962"/>
-            <a:ext cx="6787647" cy="4739061"/>
+          <a:xfrm rot="20930985">
+            <a:off x="5047799" y="5723951"/>
+            <a:ext cx="7230001" cy="5047908"/>
           </a:xfrm>
           <a:prstGeom prst="rect">
             <a:avLst/>
@@ -3996,7 +3996,7 @@
       </p:pic>
       <p:pic>
         <p:nvPicPr>
-          <p:cNvPr id="63" name="Picture 9" descr="C:\Users\satos_000\Desktop\Petty\ScreenShot\2015y04m26d_214625101.png"/>
+          <p:cNvPr id="54" name="Picture 9" descr="C:\Users\satos_000\Desktop\Petty\ScreenShot\2015y04m26d_214625101.png"/>
           <p:cNvPicPr>
             <a:picLocks noChangeAspect="1" noChangeArrowheads="1"/>
           </p:cNvPicPr>
@@ -4027,8 +4027,8 @@
         </p:blipFill>
         <p:spPr bwMode="auto">
           <a:xfrm>
-            <a:off x="11607149" y="-29522"/>
-            <a:ext cx="7048592" cy="4921250"/>
+            <a:off x="11126787" y="-29522"/>
+            <a:ext cx="7581992" cy="5293664"/>
           </a:xfrm>
           <a:prstGeom prst="rect">
             <a:avLst/>
@@ -4047,7 +4047,7 @@
       </p:pic>
       <p:pic>
         <p:nvPicPr>
-          <p:cNvPr id="64" name="Picture 10" descr="C:\Users\satos_000\Desktop\Petty\ScreenShot\2015y04m26d_214636268.png"/>
+          <p:cNvPr id="55" name="Picture 10" descr="C:\Users\satos_000\Desktop\Petty\ScreenShot\2015y04m26d_214636268.png"/>
           <p:cNvPicPr>
             <a:picLocks noChangeAspect="1" noChangeArrowheads="1"/>
           </p:cNvPicPr>
@@ -4078,8 +4078,8 @@
         </p:blipFill>
         <p:spPr bwMode="auto">
           <a:xfrm>
-            <a:off x="5423720" y="-29522"/>
-            <a:ext cx="7048592" cy="4921250"/>
+            <a:off x="5030787" y="-29522"/>
+            <a:ext cx="7581992" cy="5293664"/>
           </a:xfrm>
           <a:prstGeom prst="rect">
             <a:avLst/>
@@ -4098,21 +4098,21 @@
       </p:pic>
       <p:grpSp>
         <p:nvGrpSpPr>
-          <p:cNvPr id="2" name="Group 1"/>
+          <p:cNvPr id="67" name="Group 66"/>
           <p:cNvGrpSpPr/>
           <p:nvPr/>
         </p:nvGrpSpPr>
         <p:grpSpPr>
           <a:xfrm>
-            <a:off x="-760413" y="-31750"/>
-            <a:ext cx="7048592" cy="4921250"/>
+            <a:off x="-1050367" y="-31750"/>
+            <a:ext cx="7581992" cy="5293664"/>
             <a:chOff x="-2136" y="-31750"/>
             <a:chExt cx="5976000" cy="4172378"/>
           </a:xfrm>
         </p:grpSpPr>
         <p:sp>
           <p:nvSpPr>
-            <p:cNvPr id="58" name="Freeform 57"/>
+            <p:cNvPr id="70" name="Freeform 69"/>
             <p:cNvSpPr/>
             <p:nvPr/>
           </p:nvSpPr>
@@ -4257,7 +4257,7 @@
         </p:sp>
         <p:pic>
           <p:nvPicPr>
-            <p:cNvPr id="65" name="Picture 11" descr="C:\Users\satos_000\Desktop\Petty\ScreenShot\2015y04m26d_214718650.png"/>
+            <p:cNvPr id="71" name="Picture 11" descr="C:\Users\satos_000\Desktop\Petty\ScreenShot\2015y04m26d_214718650.png"/>
             <p:cNvPicPr>
               <a:picLocks noChangeAspect="1" noChangeArrowheads="1"/>
             </p:cNvPicPr>
@@ -4309,7 +4309,7 @@
       </p:grpSp>
       <p:pic>
         <p:nvPicPr>
-          <p:cNvPr id="66" name="Picture 15" descr="C:\Users\satos_000\Desktop\Petty\ScreenShot\2015y04m26d_215335787.png"/>
+          <p:cNvPr id="72" name="Picture 15" descr="C:\Users\satos_000\Desktop\Petty\ScreenShot\2015y04m26d_215335787.png"/>
           <p:cNvPicPr>
             <a:picLocks noChangeAspect="1" noChangeArrowheads="1"/>
           </p:cNvPicPr>
@@ -4339,9 +4339,9 @@
           </a:stretch>
         </p:blipFill>
         <p:spPr bwMode="auto">
-          <a:xfrm>
-            <a:off x="11757962" y="3890962"/>
-            <a:ext cx="6787647" cy="4739061"/>
+          <a:xfrm rot="21089676">
+            <a:off x="11259804" y="5738239"/>
+            <a:ext cx="7230001" cy="5047908"/>
           </a:xfrm>
           <a:prstGeom prst="rect">
             <a:avLst/>
@@ -4360,13 +4360,13 @@
       </p:pic>
       <p:sp>
         <p:nvSpPr>
-          <p:cNvPr id="68" name="TextBox 67"/>
+          <p:cNvPr id="73" name="TextBox 72"/>
           <p:cNvSpPr txBox="1"/>
           <p:nvPr/>
         </p:nvSpPr>
         <p:spPr>
           <a:xfrm>
-            <a:off x="-2136" y="-4839"/>
+            <a:off x="25395" y="-4839"/>
             <a:ext cx="1195392" cy="461665"/>
           </a:xfrm>
           <a:prstGeom prst="rect">
@@ -4396,13 +4396,13 @@
       </p:sp>
       <p:sp>
         <p:nvSpPr>
-          <p:cNvPr id="69" name="TextBox 68"/>
+          <p:cNvPr id="74" name="TextBox 73"/>
           <p:cNvSpPr txBox="1"/>
           <p:nvPr/>
         </p:nvSpPr>
         <p:spPr>
           <a:xfrm>
-            <a:off x="-2136" y="4334315"/>
+            <a:off x="25395" y="6167304"/>
             <a:ext cx="1195392" cy="461665"/>
           </a:xfrm>
           <a:prstGeom prst="rect">
